--- a/PC/TIC-TAC-TEO.pptx
+++ b/PC/TIC-TAC-TEO.pptx
@@ -5,7 +5,7 @@
     <p:sldMasterId id="2147484029" r:id="rId1"/>
   </p:sldMasterIdLst>
   <p:notesMasterIdLst>
-    <p:notesMasterId r:id="rId9"/>
+    <p:notesMasterId r:id="rId10"/>
   </p:notesMasterIdLst>
   <p:sldIdLst>
     <p:sldId id="256" r:id="rId2"/>
@@ -14,7 +14,8 @@
     <p:sldId id="259" r:id="rId5"/>
     <p:sldId id="260" r:id="rId6"/>
     <p:sldId id="261" r:id="rId7"/>
-    <p:sldId id="262" r:id="rId8"/>
+    <p:sldId id="263" r:id="rId8"/>
+    <p:sldId id="262" r:id="rId9"/>
   </p:sldIdLst>
   <p:sldSz cx="12192000" cy="6858000"/>
   <p:notesSz cx="6858000" cy="9144000"/>
@@ -203,7 +204,7 @@
           <a:p>
             <a:fld id="{7AFB5AAC-45BD-48D3-B288-7B308614CADD}" type="datetimeFigureOut">
               <a:rPr lang="en-IN" smtClean="0"/>
-              <a:t>01-07-2025</a:t>
+              <a:t>02-07-2025</a:t>
             </a:fld>
             <a:endParaRPr lang="en-IN"/>
           </a:p>
@@ -723,7 +724,7 @@
           <a:p>
             <a:fld id="{D1890FCA-B394-47A6-B17C-F4B0CCF5A78B}" type="datetimeFigureOut">
               <a:rPr lang="en-IN" smtClean="0"/>
-              <a:t>01-07-2025</a:t>
+              <a:t>02-07-2025</a:t>
             </a:fld>
             <a:endParaRPr lang="en-IN"/>
           </a:p>
@@ -951,7 +952,7 @@
           <a:p>
             <a:fld id="{D1890FCA-B394-47A6-B17C-F4B0CCF5A78B}" type="datetimeFigureOut">
               <a:rPr lang="en-IN" smtClean="0"/>
-              <a:t>01-07-2025</a:t>
+              <a:t>02-07-2025</a:t>
             </a:fld>
             <a:endParaRPr lang="en-IN"/>
           </a:p>
@@ -1131,7 +1132,7 @@
           <a:p>
             <a:fld id="{D1890FCA-B394-47A6-B17C-F4B0CCF5A78B}" type="datetimeFigureOut">
               <a:rPr lang="en-IN" smtClean="0"/>
-              <a:t>01-07-2025</a:t>
+              <a:t>02-07-2025</a:t>
             </a:fld>
             <a:endParaRPr lang="en-IN"/>
           </a:p>
@@ -1301,7 +1302,7 @@
           <a:p>
             <a:fld id="{D1890FCA-B394-47A6-B17C-F4B0CCF5A78B}" type="datetimeFigureOut">
               <a:rPr lang="en-IN" smtClean="0"/>
-              <a:t>01-07-2025</a:t>
+              <a:t>02-07-2025</a:t>
             </a:fld>
             <a:endParaRPr lang="en-IN"/>
           </a:p>
@@ -1555,7 +1556,7 @@
           <a:p>
             <a:fld id="{D1890FCA-B394-47A6-B17C-F4B0CCF5A78B}" type="datetimeFigureOut">
               <a:rPr lang="en-IN" smtClean="0"/>
-              <a:t>01-07-2025</a:t>
+              <a:t>02-07-2025</a:t>
             </a:fld>
             <a:endParaRPr lang="en-IN"/>
           </a:p>
@@ -1881,7 +1882,7 @@
           <a:p>
             <a:fld id="{D1890FCA-B394-47A6-B17C-F4B0CCF5A78B}" type="datetimeFigureOut">
               <a:rPr lang="en-IN" smtClean="0"/>
-              <a:t>01-07-2025</a:t>
+              <a:t>02-07-2025</a:t>
             </a:fld>
             <a:endParaRPr lang="en-IN"/>
           </a:p>
@@ -2332,7 +2333,7 @@
           <a:p>
             <a:fld id="{D1890FCA-B394-47A6-B17C-F4B0CCF5A78B}" type="datetimeFigureOut">
               <a:rPr lang="en-IN" smtClean="0"/>
-              <a:t>01-07-2025</a:t>
+              <a:t>02-07-2025</a:t>
             </a:fld>
             <a:endParaRPr lang="en-IN"/>
           </a:p>
@@ -2450,7 +2451,7 @@
           <a:p>
             <a:fld id="{D1890FCA-B394-47A6-B17C-F4B0CCF5A78B}" type="datetimeFigureOut">
               <a:rPr lang="en-IN" smtClean="0"/>
-              <a:t>01-07-2025</a:t>
+              <a:t>02-07-2025</a:t>
             </a:fld>
             <a:endParaRPr lang="en-IN"/>
           </a:p>
@@ -2545,7 +2546,7 @@
           <a:p>
             <a:fld id="{D1890FCA-B394-47A6-B17C-F4B0CCF5A78B}" type="datetimeFigureOut">
               <a:rPr lang="en-IN" smtClean="0"/>
-              <a:t>01-07-2025</a:t>
+              <a:t>02-07-2025</a:t>
             </a:fld>
             <a:endParaRPr lang="en-IN"/>
           </a:p>
@@ -2832,7 +2833,7 @@
           <a:p>
             <a:fld id="{D1890FCA-B394-47A6-B17C-F4B0CCF5A78B}" type="datetimeFigureOut">
               <a:rPr lang="en-IN" smtClean="0"/>
-              <a:t>01-07-2025</a:t>
+              <a:t>02-07-2025</a:t>
             </a:fld>
             <a:endParaRPr lang="en-IN"/>
           </a:p>
@@ -3154,7 +3155,7 @@
           <a:p>
             <a:fld id="{D1890FCA-B394-47A6-B17C-F4B0CCF5A78B}" type="datetimeFigureOut">
               <a:rPr lang="en-IN" smtClean="0"/>
-              <a:t>01-07-2025</a:t>
+              <a:t>02-07-2025</a:t>
             </a:fld>
             <a:endParaRPr lang="en-IN"/>
           </a:p>
@@ -3408,7 +3409,7 @@
           <a:p>
             <a:fld id="{D1890FCA-B394-47A6-B17C-F4B0CCF5A78B}" type="datetimeFigureOut">
               <a:rPr lang="en-IN" smtClean="0"/>
-              <a:t>01-07-2025</a:t>
+              <a:t>02-07-2025</a:t>
             </a:fld>
             <a:endParaRPr lang="en-IN"/>
           </a:p>
@@ -3979,13 +3980,13 @@
   <p:clrMapOvr>
     <a:masterClrMapping/>
   </p:clrMapOvr>
-  <mc:AlternateContent xmlns:mc="http://schemas.openxmlformats.org/markup-compatibility/2006">
-    <mc:Choice xmlns:p14="http://schemas.microsoft.com/office/powerpoint/2010/main" Requires="p14">
+  <mc:AlternateContent xmlns:mc="http://schemas.openxmlformats.org/markup-compatibility/2006" xmlns:p14="http://schemas.microsoft.com/office/powerpoint/2010/main">
+    <mc:Choice Requires="p14">
       <p:transition spd="med" p14:dur="700">
         <p:fade/>
       </p:transition>
     </mc:Choice>
-    <mc:Fallback>
+    <mc:Fallback xmlns="">
       <p:transition spd="med">
         <p:fade/>
       </p:transition>
@@ -4105,12 +4106,8 @@
               <a:buChar char="o"/>
             </a:pPr>
             <a:r>
-              <a:rPr lang="fr-FR" dirty="0" err="1"/>
-              <a:t>Available</a:t>
-            </a:r>
-            <a:r>
               <a:rPr lang="fr-FR" dirty="0"/>
-              <a:t> via: </a:t>
+              <a:t>Available via: </a:t>
             </a:r>
             <a:r>
               <a:rPr lang="fr-FR" dirty="0">
@@ -4262,12 +4259,6 @@
               <a:rPr lang="en-US" dirty="0"/>
               <a:t>Winning celebration animation for a joyful experience.</a:t>
             </a:r>
-          </a:p>
-          <a:p>
-            <a:pPr marL="0" indent="0">
-              <a:buNone/>
-            </a:pPr>
-            <a:endParaRPr lang="en-IN" dirty="0"/>
           </a:p>
         </p:txBody>
       </p:sp>
@@ -4768,7 +4759,7 @@
           <a:p>
             <a:r>
               <a:rPr lang="en-US" dirty="0"/>
-              <a:t>Platform: Android &amp; Web</a:t>
+              <a:t>Platform: Android</a:t>
             </a:r>
           </a:p>
           <a:p>
@@ -4806,6 +4797,141 @@
 </file>
 
 <file path=ppt/slides/slide7.xml><?xml version="1.0" encoding="utf-8"?>
+<p:sld xmlns:a="http://schemas.openxmlformats.org/drawingml/2006/main" xmlns:r="http://schemas.openxmlformats.org/officeDocument/2006/relationships" xmlns:p="http://schemas.openxmlformats.org/presentationml/2006/main">
+  <p:cSld>
+    <p:spTree>
+      <p:nvGrpSpPr>
+        <p:cNvPr id="1" name=""/>
+        <p:cNvGrpSpPr/>
+        <p:nvPr/>
+      </p:nvGrpSpPr>
+      <p:grpSpPr>
+        <a:xfrm>
+          <a:off x="0" y="0"/>
+          <a:ext cx="0" cy="0"/>
+          <a:chOff x="0" y="0"/>
+          <a:chExt cx="0" cy="0"/>
+        </a:xfrm>
+      </p:grpSpPr>
+      <p:sp>
+        <p:nvSpPr>
+          <p:cNvPr id="2" name="Title 1">
+            <a:extLst>
+              <a:ext uri="{FF2B5EF4-FFF2-40B4-BE49-F238E27FC236}">
+                <a16:creationId xmlns:a16="http://schemas.microsoft.com/office/drawing/2014/main" id="{3764AD8C-D3B1-4CB0-CEFF-01E0E2C8BE67}"/>
+              </a:ext>
+            </a:extLst>
+          </p:cNvPr>
+          <p:cNvSpPr>
+            <a:spLocks noGrp="1"/>
+          </p:cNvSpPr>
+          <p:nvPr>
+            <p:ph type="title"/>
+          </p:nvPr>
+        </p:nvSpPr>
+        <p:spPr/>
+        <p:txBody>
+          <a:bodyPr/>
+          <a:lstStyle/>
+          <a:p>
+            <a:r>
+              <a:rPr lang="en-IN" dirty="0"/>
+              <a:t>Future Improvement</a:t>
+            </a:r>
+          </a:p>
+        </p:txBody>
+      </p:sp>
+      <p:sp>
+        <p:nvSpPr>
+          <p:cNvPr id="3" name="Content Placeholder 2">
+            <a:extLst>
+              <a:ext uri="{FF2B5EF4-FFF2-40B4-BE49-F238E27FC236}">
+                <a16:creationId xmlns:a16="http://schemas.microsoft.com/office/drawing/2014/main" id="{B7DFBA73-F872-FA34-767F-00CD333F53C8}"/>
+              </a:ext>
+            </a:extLst>
+          </p:cNvPr>
+          <p:cNvSpPr>
+            <a:spLocks noGrp="1"/>
+          </p:cNvSpPr>
+          <p:nvPr>
+            <p:ph idx="1"/>
+          </p:nvPr>
+        </p:nvSpPr>
+        <p:spPr/>
+        <p:txBody>
+          <a:bodyPr/>
+          <a:lstStyle/>
+          <a:p>
+            <a:pPr>
+              <a:buFont typeface="Courier New" panose="02070309020205020404" pitchFamily="49" charset="0"/>
+              <a:buChar char="o"/>
+            </a:pPr>
+            <a:r>
+              <a:rPr lang="en-IN" dirty="0"/>
+              <a:t>Score Tracking Feature</a:t>
+            </a:r>
+          </a:p>
+          <a:p>
+            <a:pPr>
+              <a:buFont typeface="Courier New" panose="02070309020205020404" pitchFamily="49" charset="0"/>
+              <a:buChar char="o"/>
+            </a:pPr>
+            <a:r>
+              <a:rPr lang="en-IN" dirty="0"/>
+              <a:t>Sound Effects &amp; Music</a:t>
+            </a:r>
+          </a:p>
+          <a:p>
+            <a:pPr>
+              <a:buFont typeface="Courier New" panose="02070309020205020404" pitchFamily="49" charset="0"/>
+              <a:buChar char="o"/>
+            </a:pPr>
+            <a:r>
+              <a:rPr lang="en-IN" dirty="0"/>
+              <a:t>More UI Customizations</a:t>
+            </a:r>
+          </a:p>
+          <a:p>
+            <a:pPr>
+              <a:buFont typeface="Courier New" panose="02070309020205020404" pitchFamily="49" charset="0"/>
+              <a:buChar char="o"/>
+            </a:pPr>
+            <a:r>
+              <a:rPr lang="en-IN" dirty="0"/>
+              <a:t>Single-Player Mode with AI </a:t>
+            </a:r>
+          </a:p>
+          <a:p>
+            <a:pPr>
+              <a:buFont typeface="Courier New" panose="02070309020205020404" pitchFamily="49" charset="0"/>
+              <a:buChar char="o"/>
+            </a:pPr>
+            <a:r>
+              <a:rPr lang="en-IN" dirty="0"/>
+              <a:t>Multiplayer </a:t>
+            </a:r>
+            <a:r>
+              <a:rPr lang="en-IN"/>
+              <a:t>Online (different devices)</a:t>
+            </a:r>
+            <a:endParaRPr lang="en-IN" dirty="0"/>
+          </a:p>
+        </p:txBody>
+      </p:sp>
+    </p:spTree>
+    <p:extLst>
+      <p:ext uri="{BB962C8B-B14F-4D97-AF65-F5344CB8AC3E}">
+        <p14:creationId xmlns:p14="http://schemas.microsoft.com/office/powerpoint/2010/main" val="2956041348"/>
+      </p:ext>
+    </p:extLst>
+  </p:cSld>
+  <p:clrMapOvr>
+    <a:masterClrMapping/>
+  </p:clrMapOvr>
+</p:sld>
+</file>
+
+<file path=ppt/slides/slide8.xml><?xml version="1.0" encoding="utf-8"?>
 <p:sld xmlns:a="http://schemas.openxmlformats.org/drawingml/2006/main" xmlns:r="http://schemas.openxmlformats.org/officeDocument/2006/relationships" xmlns:p="http://schemas.openxmlformats.org/presentationml/2006/main">
   <p:cSld>
     <p:spTree>

--- a/PC/TIC-TAC-TEO.pptx
+++ b/PC/TIC-TAC-TEO.pptx
@@ -204,7 +204,7 @@
           <a:p>
             <a:fld id="{7AFB5AAC-45BD-48D3-B288-7B308614CADD}" type="datetimeFigureOut">
               <a:rPr lang="en-IN" smtClean="0"/>
-              <a:t>02-07-2025</a:t>
+              <a:t>03-07-2025</a:t>
             </a:fld>
             <a:endParaRPr lang="en-IN"/>
           </a:p>
@@ -724,7 +724,7 @@
           <a:p>
             <a:fld id="{D1890FCA-B394-47A6-B17C-F4B0CCF5A78B}" type="datetimeFigureOut">
               <a:rPr lang="en-IN" smtClean="0"/>
-              <a:t>02-07-2025</a:t>
+              <a:t>03-07-2025</a:t>
             </a:fld>
             <a:endParaRPr lang="en-IN"/>
           </a:p>
@@ -952,7 +952,7 @@
           <a:p>
             <a:fld id="{D1890FCA-B394-47A6-B17C-F4B0CCF5A78B}" type="datetimeFigureOut">
               <a:rPr lang="en-IN" smtClean="0"/>
-              <a:t>02-07-2025</a:t>
+              <a:t>03-07-2025</a:t>
             </a:fld>
             <a:endParaRPr lang="en-IN"/>
           </a:p>
@@ -1132,7 +1132,7 @@
           <a:p>
             <a:fld id="{D1890FCA-B394-47A6-B17C-F4B0CCF5A78B}" type="datetimeFigureOut">
               <a:rPr lang="en-IN" smtClean="0"/>
-              <a:t>02-07-2025</a:t>
+              <a:t>03-07-2025</a:t>
             </a:fld>
             <a:endParaRPr lang="en-IN"/>
           </a:p>
@@ -1302,7 +1302,7 @@
           <a:p>
             <a:fld id="{D1890FCA-B394-47A6-B17C-F4B0CCF5A78B}" type="datetimeFigureOut">
               <a:rPr lang="en-IN" smtClean="0"/>
-              <a:t>02-07-2025</a:t>
+              <a:t>03-07-2025</a:t>
             </a:fld>
             <a:endParaRPr lang="en-IN"/>
           </a:p>
@@ -1556,7 +1556,7 @@
           <a:p>
             <a:fld id="{D1890FCA-B394-47A6-B17C-F4B0CCF5A78B}" type="datetimeFigureOut">
               <a:rPr lang="en-IN" smtClean="0"/>
-              <a:t>02-07-2025</a:t>
+              <a:t>03-07-2025</a:t>
             </a:fld>
             <a:endParaRPr lang="en-IN"/>
           </a:p>
@@ -1882,7 +1882,7 @@
           <a:p>
             <a:fld id="{D1890FCA-B394-47A6-B17C-F4B0CCF5A78B}" type="datetimeFigureOut">
               <a:rPr lang="en-IN" smtClean="0"/>
-              <a:t>02-07-2025</a:t>
+              <a:t>03-07-2025</a:t>
             </a:fld>
             <a:endParaRPr lang="en-IN"/>
           </a:p>
@@ -2333,7 +2333,7 @@
           <a:p>
             <a:fld id="{D1890FCA-B394-47A6-B17C-F4B0CCF5A78B}" type="datetimeFigureOut">
               <a:rPr lang="en-IN" smtClean="0"/>
-              <a:t>02-07-2025</a:t>
+              <a:t>03-07-2025</a:t>
             </a:fld>
             <a:endParaRPr lang="en-IN"/>
           </a:p>
@@ -2451,7 +2451,7 @@
           <a:p>
             <a:fld id="{D1890FCA-B394-47A6-B17C-F4B0CCF5A78B}" type="datetimeFigureOut">
               <a:rPr lang="en-IN" smtClean="0"/>
-              <a:t>02-07-2025</a:t>
+              <a:t>03-07-2025</a:t>
             </a:fld>
             <a:endParaRPr lang="en-IN"/>
           </a:p>
@@ -2546,7 +2546,7 @@
           <a:p>
             <a:fld id="{D1890FCA-B394-47A6-B17C-F4B0CCF5A78B}" type="datetimeFigureOut">
               <a:rPr lang="en-IN" smtClean="0"/>
-              <a:t>02-07-2025</a:t>
+              <a:t>03-07-2025</a:t>
             </a:fld>
             <a:endParaRPr lang="en-IN"/>
           </a:p>
@@ -2833,7 +2833,7 @@
           <a:p>
             <a:fld id="{D1890FCA-B394-47A6-B17C-F4B0CCF5A78B}" type="datetimeFigureOut">
               <a:rPr lang="en-IN" smtClean="0"/>
-              <a:t>02-07-2025</a:t>
+              <a:t>03-07-2025</a:t>
             </a:fld>
             <a:endParaRPr lang="en-IN"/>
           </a:p>
@@ -3155,7 +3155,7 @@
           <a:p>
             <a:fld id="{D1890FCA-B394-47A6-B17C-F4B0CCF5A78B}" type="datetimeFigureOut">
               <a:rPr lang="en-IN" smtClean="0"/>
-              <a:t>02-07-2025</a:t>
+              <a:t>03-07-2025</a:t>
             </a:fld>
             <a:endParaRPr lang="en-IN"/>
           </a:p>
@@ -3409,7 +3409,7 @@
           <a:p>
             <a:fld id="{D1890FCA-B394-47A6-B17C-F4B0CCF5A78B}" type="datetimeFigureOut">
               <a:rPr lang="en-IN" smtClean="0"/>
-              <a:t>02-07-2025</a:t>
+              <a:t>03-07-2025</a:t>
             </a:fld>
             <a:endParaRPr lang="en-IN"/>
           </a:p>
@@ -3927,7 +3927,7 @@
           <a:p>
             <a:r>
               <a:rPr lang="en-IN" sz="8000" dirty="0"/>
-              <a:t>TIC-TAC-TEO </a:t>
+              <a:t>TIC-TAC-TOE </a:t>
             </a:r>
             <a:br>
               <a:rPr lang="en-IN" sz="8000" dirty="0"/>
@@ -4323,7 +4323,7 @@
           <a:p>
             <a:r>
               <a:rPr lang="en-IN" dirty="0"/>
-              <a:t>Screenshots Overview</a:t>
+              <a:t>Screenshots</a:t>
             </a:r>
           </a:p>
         </p:txBody>
